--- a/Capstone Project Collision All Years Presentation.pptx
+++ b/Capstone Project Collision All Years Presentation.pptx
@@ -8,9 +8,10 @@
     <p:sldId id="256" r:id="rId2"/>
     <p:sldId id="257" r:id="rId3"/>
     <p:sldId id="258" r:id="rId4"/>
-    <p:sldId id="259" r:id="rId5"/>
-    <p:sldId id="260" r:id="rId6"/>
-    <p:sldId id="261" r:id="rId7"/>
+    <p:sldId id="262" r:id="rId5"/>
+    <p:sldId id="259" r:id="rId6"/>
+    <p:sldId id="260" r:id="rId7"/>
+    <p:sldId id="261" r:id="rId8"/>
   </p:sldIdLst>
   <p:sldSz cx="12192000" cy="6858000"/>
   <p:notesSz cx="6858000" cy="9144000"/>
@@ -109,6 +110,11 @@
       </a:defRPr>
     </a:lvl9pPr>
   </p:defaultTextStyle>
+  <p:extLst>
+    <p:ext uri="{EFAFB233-063F-42B5-8137-9DF3F51BA10A}">
+      <p15:sldGuideLst xmlns:p15="http://schemas.microsoft.com/office/powerpoint/2012/main"/>
+    </p:ext>
+  </p:extLst>
 </p:presentation>
 </file>
 
@@ -6341,7 +6347,6 @@
               <a:rPr lang="en-US" dirty="0"/>
               <a:t>conditions are bad, this model will alert drivers to remind them to be more careful.</a:t>
             </a:r>
-            <a:endParaRPr lang="en-US" dirty="0"/>
           </a:p>
         </p:txBody>
       </p:sp>
@@ -6617,98 +6622,38 @@
           <a:p>
             <a:r>
               <a:rPr lang="en-US" sz="3200" dirty="0" smtClean="0"/>
-              <a:t>Methodology</a:t>
+              <a:t>Data Visualization</a:t>
             </a:r>
             <a:endParaRPr lang="en-US" sz="3200" dirty="0"/>
           </a:p>
         </p:txBody>
       </p:sp>
-      <p:sp>
-        <p:nvSpPr>
-          <p:cNvPr id="3" name="Content Placeholder 2"/>
-          <p:cNvSpPr>
-            <a:spLocks noGrp="1"/>
-          </p:cNvSpPr>
-          <p:nvPr>
-            <p:ph idx="1"/>
-          </p:nvPr>
-        </p:nvSpPr>
+      <p:pic>
+        <p:nvPicPr>
+          <p:cNvPr id="4" name="Picture 3"/>
+          <p:cNvPicPr/>
+          <p:nvPr/>
+        </p:nvPicPr>
+        <p:blipFill>
+          <a:blip r:embed="rId2"/>
+          <a:stretch>
+            <a:fillRect/>
+          </a:stretch>
+        </p:blipFill>
         <p:spPr>
           <a:xfrm>
-            <a:off x="677334" y="1734920"/>
-            <a:ext cx="8596668" cy="3880773"/>
+            <a:off x="829597" y="1748463"/>
+            <a:ext cx="7193526" cy="4239382"/>
           </a:xfrm>
+          <a:prstGeom prst="rect">
+            <a:avLst/>
+          </a:prstGeom>
         </p:spPr>
-        <p:txBody>
-          <a:bodyPr>
-            <a:normAutofit/>
-          </a:bodyPr>
-          <a:lstStyle/>
-          <a:p>
-            <a:pPr algn="just"/>
-            <a:r>
-              <a:rPr lang="en-US" dirty="0" smtClean="0"/>
-              <a:t>Filtering the data which contains SEVERITYCODE, WEATHER, ROADCOND, LIGHTCOND</a:t>
-            </a:r>
-          </a:p>
-          <a:p>
-            <a:pPr algn="just"/>
-            <a:r>
-              <a:rPr lang="en-US" dirty="0" smtClean="0"/>
-              <a:t>After Processing the dataset &amp; encode the dataset for model evaluation.</a:t>
-            </a:r>
-          </a:p>
-          <a:p>
-            <a:pPr algn="just"/>
-            <a:r>
-              <a:rPr lang="en-US" dirty="0" smtClean="0"/>
-              <a:t>KNN Supervised Clustering will be used to make distribution between SEVERITYCODE level</a:t>
-            </a:r>
-          </a:p>
-          <a:p>
-            <a:pPr marL="0" indent="0" algn="just">
-              <a:buNone/>
-            </a:pPr>
-            <a:r>
-              <a:rPr lang="en-US" dirty="0" smtClean="0"/>
-              <a:t>	</a:t>
-            </a:r>
-            <a:r>
-              <a:rPr lang="en-US" dirty="0" err="1" smtClean="0"/>
-              <a:t>i.e</a:t>
-            </a:r>
-            <a:r>
-              <a:rPr lang="en-US" dirty="0" smtClean="0"/>
-              <a:t> 0, 1, 2, 3, 4, 5</a:t>
-            </a:r>
-          </a:p>
-          <a:p>
-            <a:pPr marL="0" indent="0" algn="just">
-              <a:buNone/>
-            </a:pPr>
-            <a:endParaRPr lang="en-US" dirty="0"/>
-          </a:p>
-          <a:p>
-            <a:pPr marL="0" indent="0" algn="just">
-              <a:buNone/>
-            </a:pPr>
-            <a:endParaRPr lang="en-US" dirty="0" smtClean="0"/>
-          </a:p>
-          <a:p>
-            <a:pPr marL="0" indent="0" algn="just">
-              <a:buNone/>
-            </a:pPr>
-            <a:r>
-              <a:rPr lang="en-US" dirty="0" smtClean="0"/>
-              <a:t> </a:t>
-            </a:r>
-          </a:p>
-        </p:txBody>
-      </p:sp>
+      </p:pic>
     </p:spTree>
     <p:extLst>
       <p:ext uri="{BB962C8B-B14F-4D97-AF65-F5344CB8AC3E}">
-        <p14:creationId xmlns:p14="http://schemas.microsoft.com/office/powerpoint/2010/main" val="945415418"/>
+        <p14:creationId xmlns:p14="http://schemas.microsoft.com/office/powerpoint/2010/main" val="3173020957"/>
       </p:ext>
     </p:extLst>
   </p:cSld>
@@ -6766,6 +6711,155 @@
           <a:p>
             <a:r>
               <a:rPr lang="en-US" sz="3200" dirty="0" smtClean="0"/>
+              <a:t>Methodology</a:t>
+            </a:r>
+            <a:endParaRPr lang="en-US" sz="3200" dirty="0"/>
+          </a:p>
+        </p:txBody>
+      </p:sp>
+      <p:sp>
+        <p:nvSpPr>
+          <p:cNvPr id="3" name="Content Placeholder 2"/>
+          <p:cNvSpPr>
+            <a:spLocks noGrp="1"/>
+          </p:cNvSpPr>
+          <p:nvPr>
+            <p:ph idx="1"/>
+          </p:nvPr>
+        </p:nvSpPr>
+        <p:spPr>
+          <a:xfrm>
+            <a:off x="677334" y="1734920"/>
+            <a:ext cx="8596668" cy="3880773"/>
+          </a:xfrm>
+        </p:spPr>
+        <p:txBody>
+          <a:bodyPr>
+            <a:normAutofit/>
+          </a:bodyPr>
+          <a:lstStyle/>
+          <a:p>
+            <a:pPr algn="just"/>
+            <a:r>
+              <a:rPr lang="en-US" dirty="0" smtClean="0"/>
+              <a:t>Filtering the data which contains SEVERITYCODE, WEATHER, ROADCOND, LIGHTCOND</a:t>
+            </a:r>
+          </a:p>
+          <a:p>
+            <a:pPr algn="just"/>
+            <a:r>
+              <a:rPr lang="en-US" dirty="0" smtClean="0"/>
+              <a:t>After Processing the dataset &amp; encode the dataset for model evaluation.</a:t>
+            </a:r>
+          </a:p>
+          <a:p>
+            <a:pPr algn="just"/>
+            <a:r>
+              <a:rPr lang="en-US" dirty="0" smtClean="0"/>
+              <a:t>KNN Supervised Clustering will be used to make distribution between SEVERITYCODE level</a:t>
+            </a:r>
+          </a:p>
+          <a:p>
+            <a:pPr marL="0" indent="0" algn="just">
+              <a:buNone/>
+            </a:pPr>
+            <a:r>
+              <a:rPr lang="en-US" dirty="0" smtClean="0"/>
+              <a:t>	</a:t>
+            </a:r>
+            <a:r>
+              <a:rPr lang="en-US" dirty="0" err="1" smtClean="0"/>
+              <a:t>i.e</a:t>
+            </a:r>
+            <a:r>
+              <a:rPr lang="en-US" dirty="0" smtClean="0"/>
+              <a:t> 0, 1, 2, 3, 4, 5</a:t>
+            </a:r>
+          </a:p>
+          <a:p>
+            <a:pPr marL="0" indent="0" algn="just">
+              <a:buNone/>
+            </a:pPr>
+            <a:endParaRPr lang="en-US" dirty="0"/>
+          </a:p>
+          <a:p>
+            <a:pPr marL="0" indent="0" algn="just">
+              <a:buNone/>
+            </a:pPr>
+            <a:endParaRPr lang="en-US" dirty="0" smtClean="0"/>
+          </a:p>
+          <a:p>
+            <a:pPr marL="0" indent="0" algn="just">
+              <a:buNone/>
+            </a:pPr>
+            <a:r>
+              <a:rPr lang="en-US" dirty="0" smtClean="0"/>
+              <a:t> </a:t>
+            </a:r>
+          </a:p>
+        </p:txBody>
+      </p:sp>
+    </p:spTree>
+    <p:extLst>
+      <p:ext uri="{BB962C8B-B14F-4D97-AF65-F5344CB8AC3E}">
+        <p14:creationId xmlns:p14="http://schemas.microsoft.com/office/powerpoint/2010/main" val="945415418"/>
+      </p:ext>
+    </p:extLst>
+  </p:cSld>
+  <p:clrMapOvr>
+    <a:masterClrMapping/>
+  </p:clrMapOvr>
+  <p:timing>
+    <p:tnLst>
+      <p:par>
+        <p:cTn id="1" dur="indefinite" restart="never" nodeType="tmRoot"/>
+      </p:par>
+    </p:tnLst>
+  </p:timing>
+</p:sld>
+</file>
+
+<file path=ppt/slides/slide6.xml><?xml version="1.0" encoding="utf-8"?>
+<p:sld xmlns:a="http://schemas.openxmlformats.org/drawingml/2006/main" xmlns:r="http://schemas.openxmlformats.org/officeDocument/2006/relationships" xmlns:p="http://schemas.openxmlformats.org/presentationml/2006/main">
+  <p:cSld>
+    <p:spTree>
+      <p:nvGrpSpPr>
+        <p:cNvPr id="1" name=""/>
+        <p:cNvGrpSpPr/>
+        <p:nvPr/>
+      </p:nvGrpSpPr>
+      <p:grpSpPr>
+        <a:xfrm>
+          <a:off x="0" y="0"/>
+          <a:ext cx="0" cy="0"/>
+          <a:chOff x="0" y="0"/>
+          <a:chExt cx="0" cy="0"/>
+        </a:xfrm>
+      </p:grpSpPr>
+      <p:sp>
+        <p:nvSpPr>
+          <p:cNvPr id="2" name="Title 1"/>
+          <p:cNvSpPr>
+            <a:spLocks noGrp="1"/>
+          </p:cNvSpPr>
+          <p:nvPr>
+            <p:ph type="title"/>
+          </p:nvPr>
+        </p:nvSpPr>
+        <p:spPr>
+          <a:xfrm>
+            <a:off x="677334" y="609600"/>
+            <a:ext cx="8596668" cy="730469"/>
+          </a:xfrm>
+        </p:spPr>
+        <p:txBody>
+          <a:bodyPr>
+            <a:normAutofit/>
+          </a:bodyPr>
+          <a:lstStyle/>
+          <a:p>
+            <a:r>
+              <a:rPr lang="en-US" sz="3200" dirty="0" smtClean="0"/>
               <a:t>Result</a:t>
             </a:r>
             <a:endParaRPr lang="en-US" sz="3200" dirty="0"/>
@@ -6843,7 +6937,7 @@
 </p:sld>
 </file>
 
-<file path=ppt/slides/slide6.xml><?xml version="1.0" encoding="utf-8"?>
+<file path=ppt/slides/slide7.xml><?xml version="1.0" encoding="utf-8"?>
 <p:sld xmlns:a="http://schemas.openxmlformats.org/drawingml/2006/main" xmlns:r="http://schemas.openxmlformats.org/officeDocument/2006/relationships" xmlns:p="http://schemas.openxmlformats.org/presentationml/2006/main">
   <p:cSld>
     <p:spTree>
